--- a/Presentation/class_freq_3_drug.pptx
+++ b/Presentation/class_freq_3_drug.pptx
@@ -8214,7 +8214,7 @@
                 </a:uFill>
                 <a:latin typeface="Calibri"/>
               </a:rPr>
-              <a:t>59488               53.9178 </a:t>
+              <a:t>63819               55.0562 </a:t>
             </a:r>
             <a:r>
               <a:rPr lang="en-IN" spc="-1" dirty="0" smtClean="0">
@@ -8294,7 +8294,7 @@
                 </a:uFill>
                 <a:latin typeface="Calibri"/>
               </a:rPr>
-              <a:t>50843               46.0822 </a:t>
+              <a:t>52097               44.9438 </a:t>
             </a:r>
             <a:r>
               <a:rPr lang="en-IN" spc="-1" dirty="0" smtClean="0">
@@ -8378,6 +8378,20 @@
               <a:t>	         </a:t>
             </a:r>
             <a:r>
+              <a:rPr lang="en-IN" spc="-1" dirty="0" smtClean="0">
+                <a:solidFill>
+                  <a:srgbClr val="000000"/>
+                </a:solidFill>
+                <a:uFill>
+                  <a:solidFill>
+                    <a:srgbClr val="FFFFFF"/>
+                  </a:solidFill>
+                </a:uFill>
+                <a:latin typeface="Calibri"/>
+              </a:rPr>
+              <a:t>98.2157 </a:t>
+            </a:r>
+            <a:r>
               <a:rPr lang="en-IN" spc="-1" dirty="0">
                 <a:solidFill>
                   <a:srgbClr val="000000"/>
@@ -8389,7 +8403,7 @@
                 </a:uFill>
                 <a:latin typeface="Calibri"/>
               </a:rPr>
-              <a:t>99.2931 %</a:t>
+              <a:t>%</a:t>
             </a:r>
             <a:r>
               <a:rPr lang="en-IN" b="0" strike="noStrike" spc="-1" dirty="0" smtClean="0">
@@ -8494,7 +8508,35 @@
                 </a:uFill>
                 <a:latin typeface="Calibri"/>
               </a:rPr>
-              <a:t>	=== Confusion Matrix ===</a:t>
+              <a:t>	</a:t>
+            </a:r>
+            <a:r>
+              <a:rPr lang="en-IN" spc="-1" dirty="0" smtClean="0">
+                <a:solidFill>
+                  <a:srgbClr val="000000"/>
+                </a:solidFill>
+                <a:uFill>
+                  <a:solidFill>
+                    <a:srgbClr val="FFFFFF"/>
+                  </a:solidFill>
+                </a:uFill>
+                <a:latin typeface="Calibri"/>
+              </a:rPr>
+              <a:t>=== </a:t>
+            </a:r>
+            <a:r>
+              <a:rPr lang="en-IN" spc="-1" dirty="0">
+                <a:solidFill>
+                  <a:srgbClr val="000000"/>
+                </a:solidFill>
+                <a:uFill>
+                  <a:solidFill>
+                    <a:srgbClr val="FFFFFF"/>
+                  </a:solidFill>
+                </a:uFill>
+                <a:latin typeface="Calibri"/>
+              </a:rPr>
+              <a:t>Confusion Matrix ===</a:t>
             </a:r>
           </a:p>
           <a:p>
@@ -8525,7 +8567,7 @@
                 </a:uFill>
                 <a:latin typeface="Calibri"/>
               </a:rPr>
-              <a:t>     </a:t>
+              <a:t>   </a:t>
             </a:r>
             <a:r>
               <a:rPr lang="en-IN" spc="-1" dirty="0" smtClean="0">
@@ -8539,7 +8581,7 @@
                 </a:uFill>
                 <a:latin typeface="Calibri"/>
               </a:rPr>
-              <a:t> a         </a:t>
+              <a:t>    </a:t>
             </a:r>
             <a:r>
               <a:rPr lang="en-IN" spc="-1" dirty="0">
@@ -8553,6 +8595,34 @@
                 </a:uFill>
                 <a:latin typeface="Calibri"/>
               </a:rPr>
+              <a:t>a   </a:t>
+            </a:r>
+            <a:r>
+              <a:rPr lang="en-IN" spc="-1" dirty="0" smtClean="0">
+                <a:solidFill>
+                  <a:srgbClr val="000000"/>
+                </a:solidFill>
+                <a:uFill>
+                  <a:solidFill>
+                    <a:srgbClr val="FFFFFF"/>
+                  </a:solidFill>
+                </a:uFill>
+                <a:latin typeface="Calibri"/>
+              </a:rPr>
+              <a:t>        </a:t>
+            </a:r>
+            <a:r>
+              <a:rPr lang="en-IN" spc="-1" dirty="0">
+                <a:solidFill>
+                  <a:srgbClr val="000000"/>
+                </a:solidFill>
+                <a:uFill>
+                  <a:solidFill>
+                    <a:srgbClr val="FFFFFF"/>
+                  </a:solidFill>
+                </a:uFill>
+                <a:latin typeface="Calibri"/>
+              </a:rPr>
               <a:t>b   &lt;-- classified as</a:t>
             </a:r>
           </a:p>
@@ -8570,7 +8640,7 @@
                 </a:uFill>
                 <a:latin typeface="Calibri"/>
               </a:rPr>
-              <a:t> 44830 </a:t>
+              <a:t> 49267 </a:t>
             </a:r>
             <a:r>
               <a:rPr lang="en-IN" spc="-1" dirty="0" smtClean="0">
@@ -8584,7 +8654,7 @@
                 </a:uFill>
                 <a:latin typeface="Calibri"/>
               </a:rPr>
-              <a:t>  14385 </a:t>
+              <a:t>   14304 </a:t>
             </a:r>
             <a:r>
               <a:rPr lang="en-IN" spc="-1" dirty="0">
@@ -8615,7 +8685,7 @@
                 </a:uFill>
                 <a:latin typeface="Calibri"/>
               </a:rPr>
-              <a:t> 36458 </a:t>
+              <a:t> 37793 </a:t>
             </a:r>
             <a:r>
               <a:rPr lang="en-IN" spc="-1" dirty="0" smtClean="0">
@@ -8629,7 +8699,7 @@
                 </a:uFill>
                 <a:latin typeface="Calibri"/>
               </a:rPr>
-              <a:t>  14658 </a:t>
+              <a:t>   14552 </a:t>
             </a:r>
             <a:r>
               <a:rPr lang="en-IN" spc="-1" dirty="0">
@@ -8883,7 +8953,7 @@
                 </a:uFill>
                 <a:latin typeface="Calibri"/>
               </a:rPr>
-              <a:t>59215               53.6703 </a:t>
+              <a:t>63571               54.8423 </a:t>
             </a:r>
             <a:r>
               <a:rPr lang="en-IN" spc="-1" dirty="0" smtClean="0">
@@ -8963,7 +9033,7 @@
                 </a:uFill>
                 <a:latin typeface="Calibri"/>
               </a:rPr>
-              <a:t>51116               46.3297 </a:t>
+              <a:t>52345               45.1577 </a:t>
             </a:r>
             <a:r>
               <a:rPr lang="en-IN" spc="-1" dirty="0" smtClean="0">
@@ -9043,7 +9113,7 @@
                 </a:uFill>
                 <a:latin typeface="Calibri"/>
               </a:rPr>
-              <a:t>93.1614 %</a:t>
+              <a:t>91.1705 %</a:t>
             </a:r>
             <a:endParaRPr lang="en-IN" sz="1800" b="0" strike="noStrike" spc="-1" dirty="0">
               <a:solidFill>
@@ -9219,7 +9289,7 @@
                 </a:uFill>
                 <a:latin typeface="Calibri"/>
               </a:rPr>
-              <a:t>     b   </a:t>
+              <a:t>    b   </a:t>
             </a:r>
             <a:r>
               <a:rPr lang="en-IN" spc="-1" dirty="0">
@@ -9250,22 +9320,11 @@
                 </a:uFill>
                 <a:latin typeface="Calibri"/>
               </a:rPr>
-              <a:t> 59215     </a:t>
-            </a:r>
-            <a:r>
-              <a:rPr lang="en-IN" spc="-1" dirty="0" smtClean="0">
-                <a:solidFill>
-                  <a:srgbClr val="000000"/>
-                </a:solidFill>
-                <a:uFill>
-                  <a:solidFill>
-                    <a:srgbClr val="FFFFFF"/>
-                  </a:solidFill>
-                </a:uFill>
-                <a:latin typeface="Calibri"/>
-              </a:rPr>
-              <a:t>  0 </a:t>
-            </a:r>
+              <a:t> 63571     0 |     a = NF</a:t>
+            </a:r>
+          </a:p>
+          <a:p>
+            <a:pPr lvl="4"/>
             <a:r>
               <a:rPr lang="en-IN" spc="-1" dirty="0">
                 <a:solidFill>
@@ -9278,52 +9337,7 @@
                 </a:uFill>
                 <a:latin typeface="Calibri"/>
               </a:rPr>
-              <a:t>|     a = NF</a:t>
-            </a:r>
-          </a:p>
-          <a:p>
-            <a:pPr lvl="4"/>
-            <a:r>
-              <a:rPr lang="en-IN" spc="-1" dirty="0">
-                <a:solidFill>
-                  <a:srgbClr val="000000"/>
-                </a:solidFill>
-                <a:uFill>
-                  <a:solidFill>
-                    <a:srgbClr val="FFFFFF"/>
-                  </a:solidFill>
-                </a:uFill>
-                <a:latin typeface="Calibri"/>
-              </a:rPr>
-              <a:t> 51116    </a:t>
-            </a:r>
-            <a:r>
-              <a:rPr lang="en-IN" spc="-1" dirty="0" smtClean="0">
-                <a:solidFill>
-                  <a:srgbClr val="000000"/>
-                </a:solidFill>
-                <a:uFill>
-                  <a:solidFill>
-                    <a:srgbClr val="FFFFFF"/>
-                  </a:solidFill>
-                </a:uFill>
-                <a:latin typeface="Calibri"/>
-              </a:rPr>
-              <a:t>   </a:t>
-            </a:r>
-            <a:r>
-              <a:rPr lang="en-IN" spc="-1" dirty="0">
-                <a:solidFill>
-                  <a:srgbClr val="000000"/>
-                </a:solidFill>
-                <a:uFill>
-                  <a:solidFill>
-                    <a:srgbClr val="FFFFFF"/>
-                  </a:solidFill>
-                </a:uFill>
-                <a:latin typeface="Calibri"/>
-              </a:rPr>
-              <a:t>0 |     b = F</a:t>
+              <a:t> 52345     0 |     b = F</a:t>
             </a:r>
             <a:endParaRPr lang="en-IN" b="0" strike="noStrike" spc="-1" dirty="0">
               <a:solidFill>
@@ -9563,7 +9577,7 @@
                 </a:uFill>
                 <a:latin typeface="Calibri"/>
               </a:rPr>
-              <a:t>60270               54.6265 </a:t>
+              <a:t>64536               55.6748 </a:t>
             </a:r>
             <a:r>
               <a:rPr lang="en-IN" spc="-1" dirty="0" smtClean="0">
@@ -9658,7 +9672,7 @@
                 </a:uFill>
                 <a:latin typeface="Calibri"/>
               </a:rPr>
-              <a:t>50061               45.3735 </a:t>
+              <a:t>51380               44.3252 </a:t>
             </a:r>
             <a:r>
               <a:rPr lang="en-IN" spc="-1" dirty="0" smtClean="0">
@@ -9738,7 +9752,7 @@
                 </a:uFill>
                 <a:latin typeface="Calibri"/>
               </a:rPr>
-              <a:t>91.2386 %</a:t>
+              <a:t>89.4897 %</a:t>
             </a:r>
             <a:endParaRPr lang="en-IN" sz="1800" b="0" strike="noStrike" spc="-1" dirty="0">
               <a:solidFill>
@@ -9856,7 +9870,7 @@
                 </a:uFill>
                 <a:latin typeface="Calibri"/>
               </a:rPr>
-              <a:t>             	</a:t>
+              <a:t>             	=== </a:t>
             </a:r>
             <a:r>
               <a:rPr lang="en-IN" spc="-1" dirty="0">
@@ -9870,7 +9884,7 @@
                 </a:uFill>
                 <a:latin typeface="Calibri"/>
               </a:rPr>
-              <a:t>=== Confusion Matrix ===</a:t>
+              <a:t>Confusion Matrix ===</a:t>
             </a:r>
           </a:p>
           <a:p>
@@ -9900,9 +9914,37 @@
                 </a:uFill>
                 <a:latin typeface="Calibri"/>
               </a:rPr>
+              <a:t>   </a:t>
+            </a:r>
+            <a:r>
+              <a:rPr lang="en-IN" spc="-1" dirty="0" smtClean="0">
+                <a:solidFill>
+                  <a:srgbClr val="000000"/>
+                </a:solidFill>
+                <a:uFill>
+                  <a:solidFill>
+                    <a:srgbClr val="FFFFFF"/>
+                  </a:solidFill>
+                </a:uFill>
+                <a:latin typeface="Calibri"/>
+              </a:rPr>
               <a:t>    </a:t>
             </a:r>
             <a:r>
+              <a:rPr lang="en-IN" spc="-1" dirty="0">
+                <a:solidFill>
+                  <a:srgbClr val="000000"/>
+                </a:solidFill>
+                <a:uFill>
+                  <a:solidFill>
+                    <a:srgbClr val="FFFFFF"/>
+                  </a:solidFill>
+                </a:uFill>
+                <a:latin typeface="Calibri"/>
+              </a:rPr>
+              <a:t>a   </a:t>
+            </a:r>
+            <a:r>
               <a:rPr lang="en-IN" spc="-1" dirty="0" smtClean="0">
                 <a:solidFill>
                   <a:srgbClr val="000000"/>
@@ -9914,7 +9956,7 @@
                 </a:uFill>
                 <a:latin typeface="Calibri"/>
               </a:rPr>
-              <a:t>  </a:t>
+              <a:t>       </a:t>
             </a:r>
             <a:r>
               <a:rPr lang="en-IN" spc="-1" dirty="0">
@@ -9928,7 +9970,24 @@
                 </a:uFill>
                 <a:latin typeface="Calibri"/>
               </a:rPr>
-              <a:t>a    </a:t>
+              <a:t>b   &lt;-- classified as</a:t>
+            </a:r>
+          </a:p>
+          <a:p>
+            <a:pPr lvl="4"/>
+            <a:r>
+              <a:rPr lang="en-IN" spc="-1" dirty="0">
+                <a:solidFill>
+                  <a:srgbClr val="000000"/>
+                </a:solidFill>
+                <a:uFill>
+                  <a:solidFill>
+                    <a:srgbClr val="FFFFFF"/>
+                  </a:solidFill>
+                </a:uFill>
+                <a:latin typeface="Calibri"/>
+              </a:rPr>
+              <a:t> </a:t>
             </a:r>
             <a:r>
               <a:rPr lang="en-IN" spc="-1" dirty="0" smtClean="0">
@@ -9942,7 +10001,7 @@
                 </a:uFill>
                 <a:latin typeface="Calibri"/>
               </a:rPr>
-              <a:t>       </a:t>
+              <a:t>47321   </a:t>
             </a:r>
             <a:r>
               <a:rPr lang="en-IN" spc="-1" dirty="0">
@@ -9956,7 +10015,7 @@
                 </a:uFill>
                 <a:latin typeface="Calibri"/>
               </a:rPr>
-              <a:t>b   &lt;-- classified as</a:t>
+              <a:t>16250 |     a = NF</a:t>
             </a:r>
           </a:p>
           <a:p>
@@ -9973,7 +10032,7 @@
                 </a:uFill>
                 <a:latin typeface="Calibri"/>
               </a:rPr>
-              <a:t> 44690 </a:t>
+              <a:t> 35130 </a:t>
             </a:r>
             <a:r>
               <a:rPr lang="en-IN" spc="-1" dirty="0" smtClean="0">
@@ -9987,52 +10046,7 @@
                 </a:uFill>
                 <a:latin typeface="Calibri"/>
               </a:rPr>
-              <a:t>  14525 </a:t>
-            </a:r>
-            <a:r>
-              <a:rPr lang="en-IN" spc="-1" dirty="0">
-                <a:solidFill>
-                  <a:srgbClr val="000000"/>
-                </a:solidFill>
-                <a:uFill>
-                  <a:solidFill>
-                    <a:srgbClr val="FFFFFF"/>
-                  </a:solidFill>
-                </a:uFill>
-                <a:latin typeface="Calibri"/>
-              </a:rPr>
-              <a:t>|     a = NF</a:t>
-            </a:r>
-          </a:p>
-          <a:p>
-            <a:pPr lvl="4"/>
-            <a:r>
-              <a:rPr lang="en-IN" spc="-1" dirty="0">
-                <a:solidFill>
-                  <a:srgbClr val="000000"/>
-                </a:solidFill>
-                <a:uFill>
-                  <a:solidFill>
-                    <a:srgbClr val="FFFFFF"/>
-                  </a:solidFill>
-                </a:uFill>
-                <a:latin typeface="Calibri"/>
-              </a:rPr>
-              <a:t> 35536 </a:t>
-            </a:r>
-            <a:r>
-              <a:rPr lang="en-IN" spc="-1" dirty="0" smtClean="0">
-                <a:solidFill>
-                  <a:srgbClr val="000000"/>
-                </a:solidFill>
-                <a:uFill>
-                  <a:solidFill>
-                    <a:srgbClr val="FFFFFF"/>
-                  </a:solidFill>
-                </a:uFill>
-                <a:latin typeface="Calibri"/>
-              </a:rPr>
-              <a:t>  15580 </a:t>
+              <a:t>  17215 </a:t>
             </a:r>
             <a:r>
               <a:rPr lang="en-IN" spc="-1" dirty="0">
@@ -10286,7 +10300,7 @@
                 </a:uFill>
                 <a:latin typeface="Calibri"/>
               </a:rPr>
-              <a:t>62480               56.6296 </a:t>
+              <a:t>66639               57.489  </a:t>
             </a:r>
             <a:r>
               <a:rPr lang="en-IN" spc="-1" dirty="0" smtClean="0">
@@ -10381,7 +10395,7 @@
                 </a:uFill>
                 <a:latin typeface="Calibri"/>
               </a:rPr>
-              <a:t>47851               43.3704 </a:t>
+              <a:t>49277               42.511  </a:t>
             </a:r>
             <a:r>
               <a:rPr lang="en-IN" spc="-1" dirty="0" smtClean="0">
@@ -10461,7 +10475,7 @@
                 </a:uFill>
                 <a:latin typeface="Calibri"/>
               </a:rPr>
-              <a:t>97.2005 %</a:t>
+              <a:t>96.021  %</a:t>
             </a:r>
             <a:endParaRPr lang="en-IN" sz="1800" b="0" strike="noStrike" spc="-1" dirty="0">
               <a:solidFill>
@@ -10594,7 +10608,7 @@
                 </a:uFill>
                 <a:latin typeface="Calibri"/>
               </a:rPr>
-              <a:t>    </a:t>
+              <a:t>  </a:t>
             </a:r>
             <a:r>
               <a:rPr lang="en-IN" spc="-1" dirty="0" smtClean="0">
@@ -10608,7 +10622,7 @@
                 </a:uFill>
                 <a:latin typeface="Calibri"/>
               </a:rPr>
-              <a:t>  </a:t>
+              <a:t>      </a:t>
             </a:r>
             <a:r>
               <a:rPr lang="en-IN" spc="-1" dirty="0">
@@ -10622,7 +10636,7 @@
                 </a:uFill>
                 <a:latin typeface="Calibri"/>
               </a:rPr>
-              <a:t>a    </a:t>
+              <a:t>a     </a:t>
             </a:r>
             <a:r>
               <a:rPr lang="en-IN" spc="-1" dirty="0" smtClean="0">
@@ -10636,7 +10650,7 @@
                 </a:uFill>
                 <a:latin typeface="Calibri"/>
               </a:rPr>
-              <a:t>      </a:t>
+              <a:t>    b   </a:t>
             </a:r>
             <a:r>
               <a:rPr lang="en-IN" spc="-1" dirty="0">
@@ -10650,7 +10664,7 @@
                 </a:uFill>
                 <a:latin typeface="Calibri"/>
               </a:rPr>
-              <a:t>b   &lt;-- classified as</a:t>
+              <a:t>&lt;-- classified as</a:t>
             </a:r>
           </a:p>
           <a:p>
@@ -10667,7 +10681,7 @@
                 </a:uFill>
                 <a:latin typeface="Calibri"/>
               </a:rPr>
-              <a:t> 41306 </a:t>
+              <a:t> 45317 </a:t>
             </a:r>
             <a:r>
               <a:rPr lang="en-IN" spc="-1" dirty="0" smtClean="0">
@@ -10681,7 +10695,7 @@
                 </a:uFill>
                 <a:latin typeface="Calibri"/>
               </a:rPr>
-              <a:t>  17909 </a:t>
+              <a:t>  18254 </a:t>
             </a:r>
             <a:r>
               <a:rPr lang="en-IN" spc="-1" dirty="0">
@@ -10712,7 +10726,7 @@
                 </a:uFill>
                 <a:latin typeface="Calibri"/>
               </a:rPr>
-              <a:t> 29942 </a:t>
+              <a:t> 31023 </a:t>
             </a:r>
             <a:r>
               <a:rPr lang="en-IN" spc="-1" dirty="0" smtClean="0">
@@ -10726,7 +10740,7 @@
                 </a:uFill>
                 <a:latin typeface="Calibri"/>
               </a:rPr>
-              <a:t>  21174 </a:t>
+              <a:t>  21322 </a:t>
             </a:r>
             <a:r>
               <a:rPr lang="en-IN" spc="-1" dirty="0">
@@ -10980,7 +10994,7 @@
                 </a:uFill>
                 <a:latin typeface="Calibri"/>
               </a:rPr>
-              <a:t>62253               56.4239 </a:t>
+              <a:t>66504               57.3726 </a:t>
             </a:r>
             <a:r>
               <a:rPr lang="en-IN" spc="-1" dirty="0" smtClean="0">
@@ -11090,7 +11104,7 @@
                 </a:uFill>
                 <a:latin typeface="Calibri"/>
               </a:rPr>
-              <a:t>48078               43.5761 </a:t>
+              <a:t>49412               42.6274 </a:t>
             </a:r>
             <a:r>
               <a:rPr lang="en-IN" spc="-1" dirty="0" smtClean="0">
@@ -11185,7 +11199,7 @@
                 </a:uFill>
                 <a:latin typeface="Calibri"/>
               </a:rPr>
-              <a:t>97.8079 %</a:t>
+              <a:t>96.8005 %</a:t>
             </a:r>
             <a:endParaRPr lang="en-IN" sz="1800" b="0" strike="noStrike" spc="-1" dirty="0">
               <a:solidFill>
@@ -11308,62 +11322,6 @@
           <a:p>
             <a:pPr lvl="4"/>
             <a:r>
-              <a:rPr lang="en-IN" spc="-1">
-                <a:solidFill>
-                  <a:srgbClr val="000000"/>
-                </a:solidFill>
-                <a:uFill>
-                  <a:solidFill>
-                    <a:srgbClr val="FFFFFF"/>
-                  </a:solidFill>
-                </a:uFill>
-                <a:latin typeface="Calibri"/>
-              </a:rPr>
-              <a:t>    </a:t>
-            </a:r>
-            <a:r>
-              <a:rPr lang="en-IN" spc="-1" smtClean="0">
-                <a:solidFill>
-                  <a:srgbClr val="000000"/>
-                </a:solidFill>
-                <a:uFill>
-                  <a:solidFill>
-                    <a:srgbClr val="FFFFFF"/>
-                  </a:solidFill>
-                </a:uFill>
-                <a:latin typeface="Calibri"/>
-              </a:rPr>
-              <a:t>   </a:t>
-            </a:r>
-            <a:r>
-              <a:rPr lang="en-IN" spc="-1">
-                <a:solidFill>
-                  <a:srgbClr val="000000"/>
-                </a:solidFill>
-                <a:uFill>
-                  <a:solidFill>
-                    <a:srgbClr val="FFFFFF"/>
-                  </a:solidFill>
-                </a:uFill>
-                <a:latin typeface="Calibri"/>
-              </a:rPr>
-              <a:t>a   </a:t>
-            </a:r>
-            <a:r>
-              <a:rPr lang="en-IN" spc="-1" smtClean="0">
-                <a:solidFill>
-                  <a:srgbClr val="000000"/>
-                </a:solidFill>
-                <a:uFill>
-                  <a:solidFill>
-                    <a:srgbClr val="FFFFFF"/>
-                  </a:solidFill>
-                </a:uFill>
-                <a:latin typeface="Calibri"/>
-              </a:rPr>
-              <a:t>      </a:t>
-            </a:r>
-            <a:r>
               <a:rPr lang="en-IN" spc="-1" dirty="0">
                 <a:solidFill>
                   <a:srgbClr val="000000"/>
@@ -11375,7 +11333,63 @@
                 </a:uFill>
                 <a:latin typeface="Calibri"/>
               </a:rPr>
-              <a:t>b   &lt;-- classified as</a:t>
+              <a:t>  </a:t>
+            </a:r>
+            <a:r>
+              <a:rPr lang="en-IN" spc="-1" dirty="0" smtClean="0">
+                <a:solidFill>
+                  <a:srgbClr val="000000"/>
+                </a:solidFill>
+                <a:uFill>
+                  <a:solidFill>
+                    <a:srgbClr val="FFFFFF"/>
+                  </a:solidFill>
+                </a:uFill>
+                <a:latin typeface="Calibri"/>
+              </a:rPr>
+              <a:t>     </a:t>
+            </a:r>
+            <a:r>
+              <a:rPr lang="en-IN" spc="-1" dirty="0">
+                <a:solidFill>
+                  <a:srgbClr val="000000"/>
+                </a:solidFill>
+                <a:uFill>
+                  <a:solidFill>
+                    <a:srgbClr val="FFFFFF"/>
+                  </a:solidFill>
+                </a:uFill>
+                <a:latin typeface="Calibri"/>
+              </a:rPr>
+              <a:t>a     </a:t>
+            </a:r>
+            <a:r>
+              <a:rPr lang="en-IN" spc="-1" dirty="0" smtClean="0">
+                <a:solidFill>
+                  <a:srgbClr val="000000"/>
+                </a:solidFill>
+                <a:uFill>
+                  <a:solidFill>
+                    <a:srgbClr val="FFFFFF"/>
+                  </a:solidFill>
+                </a:uFill>
+                <a:latin typeface="Calibri"/>
+              </a:rPr>
+              <a:t>    b   </a:t>
+            </a:r>
+            <a:r>
+              <a:rPr lang="en-IN" spc="-1" dirty="0">
+                <a:solidFill>
+                  <a:srgbClr val="000000"/>
+                </a:solidFill>
+                <a:uFill>
+                  <a:solidFill>
+                    <a:srgbClr val="FFFFFF"/>
+                  </a:solidFill>
+                </a:uFill>
+                <a:latin typeface="Calibri"/>
+              </a:rPr>
+              <a:t>&lt;-- classified as</a:t>
             </a:r>
           </a:p>
           <a:p>
@@ -11392,7 +11406,7 @@
                 </a:uFill>
                 <a:latin typeface="Calibri"/>
               </a:rPr>
-              <a:t> 41964 </a:t>
+              <a:t> 46011 </a:t>
             </a:r>
             <a:r>
               <a:rPr lang="en-IN" spc="-1" dirty="0" smtClean="0">
@@ -11406,7 +11420,7 @@
                 </a:uFill>
                 <a:latin typeface="Calibri"/>
               </a:rPr>
-              <a:t>  17251 </a:t>
+              <a:t>  17560 </a:t>
             </a:r>
             <a:r>
               <a:rPr lang="en-IN" spc="-1" dirty="0">
@@ -11451,7 +11465,7 @@
                 </a:uFill>
                 <a:latin typeface="Calibri"/>
               </a:rPr>
-              <a:t>30827   </a:t>
+              <a:t>31852   </a:t>
             </a:r>
             <a:r>
               <a:rPr lang="en-IN" spc="-1" dirty="0">
@@ -11465,7 +11479,7 @@
                 </a:uFill>
                 <a:latin typeface="Calibri"/>
               </a:rPr>
-              <a:t>20289 |     b = F</a:t>
+              <a:t>20493 |     b = F</a:t>
             </a:r>
           </a:p>
         </p:txBody>
@@ -11851,8 +11865,8 @@
         </p:nvSpPr>
         <p:spPr>
           <a:xfrm>
-            <a:off x="829548" y="1373748"/>
-            <a:ext cx="7669223" cy="5816977"/>
+            <a:off x="879865" y="1205134"/>
+            <a:ext cx="7669223" cy="6370975"/>
           </a:xfrm>
           <a:prstGeom prst="rect">
             <a:avLst/>
@@ -11888,7 +11902,7 @@
             </a:pPr>
             <a:r>
               <a:rPr lang="en-US" dirty="0" smtClean="0"/>
-              <a:t>TOTAL INSTANCES : 110331</a:t>
+              <a:t>TOTAL INSTANCES : 115916	</a:t>
             </a:r>
           </a:p>
           <a:p>
@@ -11920,6 +11934,23 @@
             <a:r>
               <a:rPr lang="en-US" dirty="0" smtClean="0"/>
               <a:t>BUTRANS ONLY : 46344</a:t>
+            </a:r>
+          </a:p>
+          <a:p>
+            <a:pPr marL="742950" lvl="1" indent="-285750">
+              <a:buFont typeface="Wingdings" panose="05000000000000000000" pitchFamily="2" charset="2"/>
+              <a:buChar char="Ø"/>
+            </a:pPr>
+            <a:endParaRPr lang="en-US" dirty="0"/>
+          </a:p>
+          <a:p>
+            <a:pPr marL="742950" lvl="1" indent="-285750">
+              <a:buFont typeface="Wingdings" panose="05000000000000000000" pitchFamily="2" charset="2"/>
+              <a:buChar char="Ø"/>
+            </a:pPr>
+            <a:r>
+              <a:rPr lang="en-US" dirty="0" smtClean="0"/>
+              <a:t>BOTH OPANA AND BUTRANS : 5585</a:t>
             </a:r>
           </a:p>
           <a:p>
@@ -12293,7 +12324,11 @@
             </a:r>
             <a:r>
               <a:rPr lang="en-US" sz="2000" smtClean="0"/>
-              <a:t>BUYER (NF</a:t>
+              <a:t>BUYER </a:t>
+            </a:r>
+            <a:r>
+              <a:rPr lang="en-US" sz="2000" smtClean="0"/>
+              <a:t>(NF</a:t>
             </a:r>
             <a:r>
               <a:rPr lang="en-US" sz="2000" dirty="0" smtClean="0"/>
@@ -12516,8 +12551,8 @@
         </p:nvSpPr>
         <p:spPr>
           <a:xfrm>
-            <a:off x="1142679" y="1715325"/>
-            <a:ext cx="8405870" cy="4339650"/>
+            <a:off x="823190" y="1010245"/>
+            <a:ext cx="8405870" cy="5539978"/>
           </a:xfrm>
           <a:prstGeom prst="rect">
             <a:avLst/>
@@ -12683,11 +12718,72 @@
             <a:endParaRPr lang="en-US" sz="2400" b="1" dirty="0" smtClean="0"/>
           </a:p>
           <a:p>
+            <a:pPr marL="342900" indent="-342900">
+              <a:buFont typeface="Wingdings" panose="05000000000000000000" pitchFamily="2" charset="2"/>
+              <a:buChar char="Ø"/>
+            </a:pPr>
+            <a:r>
+              <a:rPr lang="en-US" sz="2400" b="1" dirty="0"/>
+              <a:t> </a:t>
+            </a:r>
+            <a:r>
+              <a:rPr lang="en-US" sz="2400" b="1" u="sng" dirty="0" smtClean="0"/>
+              <a:t>BOTH</a:t>
+            </a:r>
+            <a:r>
+              <a:rPr lang="en-US" sz="2400" b="1" dirty="0" smtClean="0"/>
+              <a:t> :</a:t>
+            </a:r>
+          </a:p>
+          <a:p>
+            <a:r>
+              <a:rPr lang="en-US" sz="2400" b="1" dirty="0"/>
+              <a:t> </a:t>
+            </a:r>
+            <a:endParaRPr lang="en-US" sz="2400" b="1" dirty="0" smtClean="0"/>
+          </a:p>
+          <a:p>
             <a:pPr marL="800100" lvl="1" indent="-342900">
               <a:buFont typeface="Wingdings" panose="05000000000000000000" pitchFamily="2" charset="2"/>
               <a:buChar char="Ø"/>
             </a:pPr>
-            <a:endParaRPr lang="en-US" sz="2400" b="1" dirty="0" smtClean="0"/>
+            <a:r>
+              <a:rPr lang="en-US" b="1" dirty="0"/>
+              <a:t>MEDIAN : 3</a:t>
+            </a:r>
+          </a:p>
+          <a:p>
+            <a:pPr marL="800100" lvl="1" indent="-342900">
+              <a:buFont typeface="Wingdings" panose="05000000000000000000" pitchFamily="2" charset="2"/>
+              <a:buChar char="Ø"/>
+            </a:pPr>
+            <a:r>
+              <a:rPr lang="en-US" dirty="0" smtClean="0"/>
+              <a:t>F </a:t>
+            </a:r>
+            <a:r>
+              <a:rPr lang="en-US" dirty="0"/>
+              <a:t>: 1229/5585 (22.01</a:t>
+            </a:r>
+            <a:r>
+              <a:rPr lang="en-US" dirty="0" smtClean="0"/>
+              <a:t>%)</a:t>
+            </a:r>
+          </a:p>
+          <a:p>
+            <a:pPr marL="800100" lvl="1" indent="-342900">
+              <a:buFont typeface="Wingdings" panose="05000000000000000000" pitchFamily="2" charset="2"/>
+              <a:buChar char="Ø"/>
+            </a:pPr>
+            <a:r>
+              <a:rPr lang="en-US" dirty="0" smtClean="0"/>
+              <a:t>NF </a:t>
+            </a:r>
+            <a:r>
+              <a:rPr lang="en-US" dirty="0"/>
+              <a:t>: 4356/5585 (77.99%)</a:t>
+            </a:r>
+            <a:endParaRPr lang="en-US" sz="2000" dirty="0"/>
           </a:p>
         </p:txBody>
       </p:sp>
@@ -12756,7 +12852,7 @@
         </p:nvSpPr>
         <p:spPr>
           <a:xfrm>
-            <a:off x="552960" y="201275"/>
+            <a:off x="552960" y="208085"/>
             <a:ext cx="8227440" cy="1140840"/>
           </a:xfrm>
           <a:prstGeom prst="rect">
@@ -12819,7 +12915,7 @@
         </p:nvSpPr>
         <p:spPr>
           <a:xfrm>
-            <a:off x="1982989" y="2353661"/>
+            <a:off x="1872821" y="1946037"/>
             <a:ext cx="6610122" cy="1459440"/>
           </a:xfrm>
           <a:prstGeom prst="rect">
@@ -13124,6 +13220,108 @@
             </a:r>
           </a:p>
           <a:p>
+            <a:pPr marL="400050" indent="-400050">
+              <a:lnSpc>
+                <a:spcPct val="100000"/>
+              </a:lnSpc>
+              <a:buFont typeface="+mj-lt"/>
+              <a:buAutoNum type="romanLcPeriod"/>
+            </a:pPr>
+            <a:r>
+              <a:rPr lang="en-US" sz="2000" spc="-1" dirty="0">
+                <a:solidFill>
+                  <a:srgbClr val="000000"/>
+                </a:solidFill>
+                <a:uFill>
+                  <a:solidFill>
+                    <a:srgbClr val="FFFFFF"/>
+                  </a:solidFill>
+                </a:uFill>
+                <a:latin typeface="Calibri"/>
+              </a:rPr>
+              <a:t> TOTAL HIP ANTHROPLASTY</a:t>
+            </a:r>
+            <a:endParaRPr lang="en-US" sz="2000" spc="-1" dirty="0" smtClean="0">
+              <a:solidFill>
+                <a:srgbClr val="000000"/>
+              </a:solidFill>
+              <a:uFill>
+                <a:solidFill>
+                  <a:srgbClr val="FFFFFF"/>
+                </a:solidFill>
+              </a:uFill>
+              <a:latin typeface="Calibri"/>
+            </a:endParaRPr>
+          </a:p>
+          <a:p>
+            <a:pPr marL="400050" indent="-400050">
+              <a:lnSpc>
+                <a:spcPct val="100000"/>
+              </a:lnSpc>
+              <a:buFont typeface="+mj-lt"/>
+              <a:buAutoNum type="romanLcPeriod"/>
+            </a:pPr>
+            <a:r>
+              <a:rPr lang="en-US" sz="2000" spc="-1" dirty="0">
+                <a:solidFill>
+                  <a:srgbClr val="000000"/>
+                </a:solidFill>
+                <a:uFill>
+                  <a:solidFill>
+                    <a:srgbClr val="FFFFFF"/>
+                  </a:solidFill>
+                </a:uFill>
+                <a:latin typeface="Calibri"/>
+              </a:rPr>
+              <a:t> IRIDECTOMY</a:t>
+            </a:r>
+            <a:endParaRPr lang="en-US" sz="2000" spc="-1" dirty="0" smtClean="0">
+              <a:solidFill>
+                <a:srgbClr val="000000"/>
+              </a:solidFill>
+              <a:uFill>
+                <a:solidFill>
+                  <a:srgbClr val="FFFFFF"/>
+                </a:solidFill>
+              </a:uFill>
+              <a:latin typeface="Calibri"/>
+            </a:endParaRPr>
+          </a:p>
+          <a:p>
+            <a:pPr marL="400050" indent="-400050">
+              <a:lnSpc>
+                <a:spcPct val="100000"/>
+              </a:lnSpc>
+              <a:buFont typeface="+mj-lt"/>
+              <a:buAutoNum type="romanLcPeriod"/>
+            </a:pPr>
+            <a:r>
+              <a:rPr lang="en-US" sz="2000" spc="-1" dirty="0">
+                <a:solidFill>
+                  <a:srgbClr val="000000"/>
+                </a:solidFill>
+                <a:uFill>
+                  <a:solidFill>
+                    <a:srgbClr val="FFFFFF"/>
+                  </a:solidFill>
+                </a:uFill>
+                <a:latin typeface="Calibri"/>
+              </a:rPr>
+              <a:t> TOTAL HIP REPLACEMENT</a:t>
+            </a:r>
+            <a:endParaRPr lang="en-IN" sz="2000" spc="-1" dirty="0" smtClean="0">
+              <a:solidFill>
+                <a:srgbClr val="000000"/>
+              </a:solidFill>
+              <a:uFill>
+                <a:solidFill>
+                  <a:srgbClr val="FFFFFF"/>
+                </a:solidFill>
+              </a:uFill>
+              <a:latin typeface="Calibri"/>
+            </a:endParaRPr>
+          </a:p>
+          <a:p>
             <a:pPr>
               <a:lnSpc>
                 <a:spcPct val="100000"/>
@@ -13201,7 +13399,7 @@
         </p:nvSpPr>
         <p:spPr>
           <a:xfrm>
-            <a:off x="1586383" y="1647833"/>
+            <a:off x="1509265" y="1445659"/>
             <a:ext cx="4836450" cy="400110"/>
           </a:xfrm>
           <a:prstGeom prst="rect">
@@ -13221,7 +13419,7 @@
             </a:pPr>
             <a:r>
               <a:rPr lang="en-US" sz="2000" dirty="0" smtClean="0"/>
-              <a:t>Total number of Attributes : 11</a:t>
+              <a:t>Total number of Attributes : 14</a:t>
             </a:r>
             <a:endParaRPr lang="en-US" sz="2000" dirty="0"/>
           </a:p>
@@ -13432,7 +13630,7 @@
                 </a:uFill>
                 <a:latin typeface="Calibri"/>
               </a:rPr>
-              <a:t>59215               53.6703 </a:t>
+              <a:t>63571               54.8423 </a:t>
             </a:r>
             <a:r>
               <a:rPr lang="en-IN" spc="-1" dirty="0" smtClean="0">
@@ -13512,7 +13710,7 @@
                 </a:uFill>
                 <a:latin typeface="Calibri"/>
               </a:rPr>
-              <a:t>51116               46.3297 </a:t>
+              <a:t>52345               45.1577 </a:t>
             </a:r>
             <a:r>
               <a:rPr lang="en-IN" spc="-1" dirty="0" smtClean="0">
@@ -13756,7 +13954,7 @@
                 </a:uFill>
                 <a:latin typeface="Calibri"/>
               </a:rPr>
-              <a:t>    </a:t>
+              <a:t>   </a:t>
             </a:r>
             <a:r>
               <a:rPr lang="en-IN" spc="-1" dirty="0">
@@ -13798,12 +13996,40 @@
                 </a:uFill>
                 <a:latin typeface="Calibri"/>
               </a:rPr>
-              <a:t>b   &lt;-- classified as</a:t>
+              <a:t>b   &lt;-- classified </a:t>
+            </a:r>
+            <a:r>
+              <a:rPr lang="en-IN" spc="-1" dirty="0" smtClean="0">
+                <a:solidFill>
+                  <a:srgbClr val="000000"/>
+                </a:solidFill>
+                <a:uFill>
+                  <a:solidFill>
+                    <a:srgbClr val="FFFFFF"/>
+                  </a:solidFill>
+                </a:uFill>
+                <a:latin typeface="Calibri"/>
+              </a:rPr>
+              <a:t>as</a:t>
             </a:r>
           </a:p>
           <a:p>
             <a:pPr lvl="4"/>
             <a:r>
+              <a:rPr lang="en-IN" spc="-1" dirty="0" smtClean="0">
+                <a:solidFill>
+                  <a:srgbClr val="000000"/>
+                </a:solidFill>
+                <a:uFill>
+                  <a:solidFill>
+                    <a:srgbClr val="FFFFFF"/>
+                  </a:solidFill>
+                </a:uFill>
+                <a:latin typeface="Calibri"/>
+              </a:rPr>
+              <a:t> </a:t>
+            </a:r>
+            <a:r>
               <a:rPr lang="en-IN" spc="-1" dirty="0">
                 <a:solidFill>
                   <a:srgbClr val="000000"/>
@@ -13815,7 +14041,7 @@
                 </a:uFill>
                 <a:latin typeface="Calibri"/>
               </a:rPr>
-              <a:t> 59215     0 |     a = NF</a:t>
+              <a:t>63571     0 |     a = NF</a:t>
             </a:r>
           </a:p>
           <a:p>
@@ -13832,7 +14058,7 @@
                 </a:uFill>
                 <a:latin typeface="Calibri"/>
               </a:rPr>
-              <a:t> 51116     0 |     b = F</a:t>
+              <a:t> 52345     0 |     b = F</a:t>
             </a:r>
             <a:endParaRPr lang="en-IN" b="0" strike="noStrike" spc="-1" dirty="0">
               <a:solidFill>
@@ -14072,7 +14298,7 @@
                 </a:uFill>
                 <a:latin typeface="Calibri"/>
               </a:rPr>
-              <a:t>59852               54.2477 </a:t>
+              <a:t>64074               55.2762 </a:t>
             </a:r>
             <a:r>
               <a:rPr lang="en-IN" spc="-1" dirty="0" smtClean="0">
@@ -14152,7 +14378,7 @@
                 </a:uFill>
                 <a:latin typeface="Calibri"/>
               </a:rPr>
-              <a:t>50479               45.7523 </a:t>
+              <a:t>51842               44.7238 </a:t>
             </a:r>
             <a:r>
               <a:rPr lang="en-IN" spc="-1" dirty="0" smtClean="0">
@@ -14232,19 +14458,22 @@
                 </a:uFill>
                 <a:latin typeface="Calibri"/>
               </a:rPr>
-              <a:t>99.1732 %</a:t>
-            </a:r>
-            <a:endParaRPr lang="en-IN" spc="-1" dirty="0" smtClean="0">
-              <a:solidFill>
-                <a:srgbClr val="000000"/>
-              </a:solidFill>
-              <a:uFill>
-                <a:solidFill>
-                  <a:srgbClr val="FFFFFF"/>
-                </a:solidFill>
-              </a:uFill>
-              <a:latin typeface="Calibri"/>
-            </a:endParaRPr>
+              <a:t>98.1365 </a:t>
+            </a:r>
+            <a:r>
+              <a:rPr lang="en-IN" spc="-1" dirty="0" smtClean="0">
+                <a:solidFill>
+                  <a:srgbClr val="000000"/>
+                </a:solidFill>
+                <a:uFill>
+                  <a:solidFill>
+                    <a:srgbClr val="FFFFFF"/>
+                  </a:solidFill>
+                </a:uFill>
+                <a:latin typeface="Calibri"/>
+              </a:rPr>
+              <a:t>%</a:t>
+            </a:r>
           </a:p>
           <a:p>
             <a:pPr marL="1440">
@@ -14373,7 +14602,7 @@
                 </a:uFill>
                 <a:latin typeface="Calibri"/>
               </a:rPr>
-              <a:t>    </a:t>
+              <a:t>     a     </a:t>
             </a:r>
             <a:r>
               <a:rPr lang="en-IN" spc="-1" dirty="0" smtClean="0">
@@ -14387,7 +14616,7 @@
                 </a:uFill>
                 <a:latin typeface="Calibri"/>
               </a:rPr>
-              <a:t>   </a:t>
+              <a:t>      b   </a:t>
             </a:r>
             <a:r>
               <a:rPr lang="en-IN" spc="-1" dirty="0">
@@ -14401,7 +14630,24 @@
                 </a:uFill>
                 <a:latin typeface="Calibri"/>
               </a:rPr>
-              <a:t>a  </a:t>
+              <a:t>&lt;-- classified as</a:t>
+            </a:r>
+          </a:p>
+          <a:p>
+            <a:pPr lvl="4"/>
+            <a:r>
+              <a:rPr lang="en-IN" spc="-1" dirty="0">
+                <a:solidFill>
+                  <a:srgbClr val="000000"/>
+                </a:solidFill>
+                <a:uFill>
+                  <a:solidFill>
+                    <a:srgbClr val="FFFFFF"/>
+                  </a:solidFill>
+                </a:uFill>
+                <a:latin typeface="Calibri"/>
+              </a:rPr>
+              <a:t> 45842 </a:t>
             </a:r>
             <a:r>
               <a:rPr lang="en-IN" spc="-1" dirty="0" smtClean="0">
@@ -14415,7 +14661,7 @@
                 </a:uFill>
                 <a:latin typeface="Calibri"/>
               </a:rPr>
-              <a:t>       b   </a:t>
+              <a:t>  17729 </a:t>
             </a:r>
             <a:r>
               <a:rPr lang="en-IN" spc="-1" dirty="0">
@@ -14429,7 +14675,7 @@
                 </a:uFill>
                 <a:latin typeface="Calibri"/>
               </a:rPr>
-              <a:t>&lt;-- classified as</a:t>
+              <a:t>|     a = NF</a:t>
             </a:r>
           </a:p>
           <a:p>
@@ -14446,7 +14692,7 @@
                 </a:uFill>
                 <a:latin typeface="Calibri"/>
               </a:rPr>
-              <a:t> 41685 </a:t>
+              <a:t> 34113 </a:t>
             </a:r>
             <a:r>
               <a:rPr lang="en-IN" spc="-1" dirty="0" smtClean="0">
@@ -14460,7 +14706,7 @@
                 </a:uFill>
                 <a:latin typeface="Calibri"/>
               </a:rPr>
-              <a:t>  17530 </a:t>
+              <a:t>  18232 </a:t>
             </a:r>
             <a:r>
               <a:rPr lang="en-IN" spc="-1" dirty="0">
@@ -14474,52 +14720,7 @@
                 </a:uFill>
                 <a:latin typeface="Calibri"/>
               </a:rPr>
-              <a:t>|     a = NF</a:t>
-            </a:r>
-          </a:p>
-          <a:p>
-            <a:pPr lvl="4"/>
-            <a:r>
-              <a:rPr lang="en-IN" spc="-1" dirty="0">
-                <a:solidFill>
-                  <a:srgbClr val="000000"/>
-                </a:solidFill>
-                <a:uFill>
-                  <a:solidFill>
-                    <a:srgbClr val="FFFFFF"/>
-                  </a:solidFill>
-                </a:uFill>
-                <a:latin typeface="Calibri"/>
-              </a:rPr>
-              <a:t> </a:t>
-            </a:r>
-            <a:r>
-              <a:rPr lang="en-IN" spc="-1" dirty="0" smtClean="0">
-                <a:solidFill>
-                  <a:srgbClr val="000000"/>
-                </a:solidFill>
-                <a:uFill>
-                  <a:solidFill>
-                    <a:srgbClr val="FFFFFF"/>
-                  </a:solidFill>
-                </a:uFill>
-                <a:latin typeface="Calibri"/>
-              </a:rPr>
-              <a:t>32949   </a:t>
-            </a:r>
-            <a:r>
-              <a:rPr lang="en-IN" spc="-1" dirty="0">
-                <a:solidFill>
-                  <a:srgbClr val="000000"/>
-                </a:solidFill>
-                <a:uFill>
-                  <a:solidFill>
-                    <a:srgbClr val="FFFFFF"/>
-                  </a:solidFill>
-                </a:uFill>
-                <a:latin typeface="Calibri"/>
-              </a:rPr>
-              <a:t>18167 |     b = F</a:t>
+              <a:t>|     b = F</a:t>
             </a:r>
           </a:p>
         </p:txBody>
@@ -14749,7 +14950,7 @@
                 </a:uFill>
                 <a:latin typeface="Calibri"/>
               </a:rPr>
-              <a:t>62224               56.3976 </a:t>
+              <a:t>66553               57.4149 </a:t>
             </a:r>
             <a:r>
               <a:rPr lang="en-IN" spc="-1" dirty="0" smtClean="0">
@@ -14829,7 +15030,7 @@
                 </a:uFill>
                 <a:latin typeface="Calibri"/>
               </a:rPr>
-              <a:t>48107               43.6024 </a:t>
+              <a:t>49363               42.5851 </a:t>
             </a:r>
             <a:r>
               <a:rPr lang="en-IN" spc="-1" dirty="0" smtClean="0">
@@ -14909,7 +15110,7 @@
                 </a:uFill>
                 <a:latin typeface="Calibri"/>
               </a:rPr>
-              <a:t>97.8437 %</a:t>
+              <a:t>96.8309 %</a:t>
             </a:r>
             <a:endParaRPr lang="en-IN" sz="1800" b="0" strike="noStrike" spc="-1" dirty="0">
               <a:solidFill>
@@ -15059,7 +15260,7 @@
                 </a:uFill>
                 <a:latin typeface="Calibri"/>
               </a:rPr>
-              <a:t>     </a:t>
+              <a:t>    </a:t>
             </a:r>
             <a:r>
               <a:rPr lang="en-IN" spc="-1" dirty="0" smtClean="0">
@@ -15073,7 +15274,7 @@
                 </a:uFill>
                 <a:latin typeface="Calibri"/>
               </a:rPr>
-              <a:t> a          </a:t>
+              <a:t>   </a:t>
             </a:r>
             <a:r>
               <a:rPr lang="en-IN" spc="-1" dirty="0">
@@ -15087,6 +15288,34 @@
                 </a:uFill>
                 <a:latin typeface="Calibri"/>
               </a:rPr>
+              <a:t>a   </a:t>
+            </a:r>
+            <a:r>
+              <a:rPr lang="en-IN" spc="-1" dirty="0" smtClean="0">
+                <a:solidFill>
+                  <a:srgbClr val="000000"/>
+                </a:solidFill>
+                <a:uFill>
+                  <a:solidFill>
+                    <a:srgbClr val="FFFFFF"/>
+                  </a:solidFill>
+                </a:uFill>
+                <a:latin typeface="Calibri"/>
+              </a:rPr>
+              <a:t>        </a:t>
+            </a:r>
+            <a:r>
+              <a:rPr lang="en-IN" spc="-1" dirty="0">
+                <a:solidFill>
+                  <a:srgbClr val="000000"/>
+                </a:solidFill>
+                <a:uFill>
+                  <a:solidFill>
+                    <a:srgbClr val="FFFFFF"/>
+                  </a:solidFill>
+                </a:uFill>
+                <a:latin typeface="Calibri"/>
+              </a:rPr>
               <a:t>b   &lt;-- classified as</a:t>
             </a:r>
           </a:p>
@@ -15104,7 +15333,7 @@
                 </a:uFill>
                 <a:latin typeface="Calibri"/>
               </a:rPr>
-              <a:t> 41329 </a:t>
+              <a:t> 45740 </a:t>
             </a:r>
             <a:r>
               <a:rPr lang="en-IN" spc="-1" dirty="0" smtClean="0">
@@ -15118,7 +15347,7 @@
                 </a:uFill>
                 <a:latin typeface="Calibri"/>
               </a:rPr>
-              <a:t>  17886 </a:t>
+              <a:t>   17831 </a:t>
             </a:r>
             <a:r>
               <a:rPr lang="en-IN" spc="-1" dirty="0">
@@ -15149,7 +15378,7 @@
                 </a:uFill>
                 <a:latin typeface="Calibri"/>
               </a:rPr>
-              <a:t> 30221 </a:t>
+              <a:t> 31532 </a:t>
             </a:r>
             <a:r>
               <a:rPr lang="en-IN" spc="-1" dirty="0" smtClean="0">
@@ -15163,7 +15392,7 @@
                 </a:uFill>
                 <a:latin typeface="Calibri"/>
               </a:rPr>
-              <a:t>  20895 </a:t>
+              <a:t>   20813 </a:t>
             </a:r>
             <a:r>
               <a:rPr lang="en-IN" spc="-1" dirty="0">
@@ -15814,12 +16043,25 @@
                   </a:solidFill>
                 </a:uFill>
               </a:rPr>
-              <a:t>|   |   |   |   |   |   |   |   |   |   |   REGION &gt; 3: F (7.0/1.0)</a:t>
-            </a:r>
-          </a:p>
-          <a:p>
-            <a:r>
-              <a:rPr lang="en-US" sz="1400" spc="-1" dirty="0">
+              <a:t>|   |   |   |   |   |   |   |   |   |   |   REGION &gt; 3: F (7.0/1.0</a:t>
+            </a:r>
+            <a:r>
+              <a:rPr lang="en-US" sz="1400" spc="-1" dirty="0" smtClean="0">
+                <a:solidFill>
+                  <a:srgbClr val="000000"/>
+                </a:solidFill>
+                <a:uFill>
+                  <a:solidFill>
+                    <a:srgbClr val="FFFFFF"/>
+                  </a:solidFill>
+                </a:uFill>
+              </a:rPr>
+              <a:t>)</a:t>
+            </a:r>
+          </a:p>
+          <a:p>
+            <a:r>
+              <a:rPr lang="en-US" sz="1400" spc="-1" dirty="0" smtClean="0">
                 <a:solidFill>
                   <a:srgbClr val="000000"/>
                 </a:solidFill>
@@ -15831,16 +16073,6 @@
               </a:rPr>
               <a:t>|   |   |   |   |   |   |   |   |   ADMTYP &gt; 3</a:t>
             </a:r>
-            <a:endParaRPr lang="en-US" sz="1400" spc="-1" dirty="0" smtClean="0">
-              <a:solidFill>
-                <a:srgbClr val="000000"/>
-              </a:solidFill>
-              <a:uFill>
-                <a:solidFill>
-                  <a:srgbClr val="FFFFFF"/>
-                </a:solidFill>
-              </a:uFill>
-            </a:endParaRPr>
           </a:p>
         </p:txBody>
       </p:sp>

--- a/Presentation/class_freq_3_drug.pptx
+++ b/Presentation/class_freq_3_drug.pptx
@@ -215,7 +215,7 @@
           <a:p>
             <a:fld id="{AB7CF349-C0EE-420A-9D80-C55D75AEDD7F}" type="datetimeFigureOut">
               <a:rPr lang="en-US" smtClean="0"/>
-              <a:t>1/6/2017</a:t>
+              <a:t>1/12/2017</a:t>
             </a:fld>
             <a:endParaRPr lang="en-US"/>
           </a:p>
@@ -12324,11 +12324,7 @@
             </a:r>
             <a:r>
               <a:rPr lang="en-US" sz="2000" smtClean="0"/>
-              <a:t>BUYER </a:t>
-            </a:r>
-            <a:r>
-              <a:rPr lang="en-US" sz="2000" smtClean="0"/>
-              <a:t>(NF</a:t>
+              <a:t>BUYER (NF</a:t>
             </a:r>
             <a:r>
               <a:rPr lang="en-US" sz="2000" dirty="0" smtClean="0"/>
@@ -12996,7 +12992,7 @@
               <a:buAutoNum type="romanLcPeriod"/>
             </a:pPr>
             <a:r>
-              <a:rPr lang="en-IN" sz="2000" spc="-1" dirty="0">
+              <a:rPr lang="en-IN" sz="2000" spc="-1" dirty="0" smtClean="0">
                 <a:solidFill>
                   <a:srgbClr val="000000"/>
                 </a:solidFill>
@@ -13009,6 +13005,17 @@
               </a:rPr>
               <a:t>REGION</a:t>
             </a:r>
+            <a:endParaRPr lang="en-IN" sz="2000" spc="-1" dirty="0">
+              <a:solidFill>
+                <a:srgbClr val="000000"/>
+              </a:solidFill>
+              <a:uFill>
+                <a:solidFill>
+                  <a:srgbClr val="FFFFFF"/>
+                </a:solidFill>
+              </a:uFill>
+              <a:latin typeface="Calibri"/>
+            </a:endParaRPr>
           </a:p>
           <a:p>
             <a:pPr marL="400050" indent="-400050">
@@ -13019,19 +13026,30 @@
               <a:buAutoNum type="romanLcPeriod"/>
             </a:pPr>
             <a:r>
-              <a:rPr lang="en-IN" sz="2000" spc="-1" dirty="0">
-                <a:solidFill>
-                  <a:srgbClr val="000000"/>
-                </a:solidFill>
-                <a:uFill>
-                  <a:solidFill>
-                    <a:srgbClr val="FFFFFF"/>
-                  </a:solidFill>
-                </a:uFill>
-                <a:latin typeface="Calibri"/>
-              </a:rPr>
-              <a:t>REFILL COUNT</a:t>
-            </a:r>
+              <a:rPr lang="en-IN" sz="2000" spc="-1" dirty="0" smtClean="0">
+                <a:solidFill>
+                  <a:srgbClr val="000000"/>
+                </a:solidFill>
+                <a:uFill>
+                  <a:solidFill>
+                    <a:srgbClr val="FFFFFF"/>
+                  </a:solidFill>
+                </a:uFill>
+                <a:latin typeface="Calibri"/>
+              </a:rPr>
+              <a:t>ADMTYP</a:t>
+            </a:r>
+            <a:endParaRPr lang="en-IN" sz="2000" spc="-1" dirty="0">
+              <a:solidFill>
+                <a:srgbClr val="000000"/>
+              </a:solidFill>
+              <a:uFill>
+                <a:solidFill>
+                  <a:srgbClr val="FFFFFF"/>
+                </a:solidFill>
+              </a:uFill>
+              <a:latin typeface="Calibri"/>
+            </a:endParaRPr>
           </a:p>
           <a:p>
             <a:pPr marL="400050" indent="-400050">
@@ -13042,6 +13060,20 @@
               <a:buAutoNum type="romanLcPeriod"/>
             </a:pPr>
             <a:r>
+              <a:rPr lang="en-IN" sz="2000" spc="-1" dirty="0">
+                <a:solidFill>
+                  <a:srgbClr val="000000"/>
+                </a:solidFill>
+                <a:uFill>
+                  <a:solidFill>
+                    <a:srgbClr val="FFFFFF"/>
+                  </a:solidFill>
+                </a:uFill>
+                <a:latin typeface="Calibri"/>
+              </a:rPr>
+              <a:t>TOTAL </a:t>
+            </a:r>
+            <a:r>
               <a:rPr lang="en-IN" sz="2000" spc="-1" dirty="0" smtClean="0">
                 <a:solidFill>
                   <a:srgbClr val="000000"/>
@@ -13053,19 +13085,8 @@
                 </a:uFill>
                 <a:latin typeface="Calibri"/>
               </a:rPr>
-              <a:t>ADMTYP</a:t>
-            </a:r>
-            <a:endParaRPr lang="en-IN" sz="2000" spc="-1" dirty="0">
-              <a:solidFill>
-                <a:srgbClr val="000000"/>
-              </a:solidFill>
-              <a:uFill>
-                <a:solidFill>
-                  <a:srgbClr val="FFFFFF"/>
-                </a:solidFill>
-              </a:uFill>
-              <a:latin typeface="Calibri"/>
-            </a:endParaRPr>
+              <a:t>KNEE ANTRHOPLASTY</a:t>
+            </a:r>
           </a:p>
           <a:p>
             <a:pPr marL="400050" indent="-400050">
@@ -13076,20 +13097,6 @@
               <a:buAutoNum type="romanLcPeriod"/>
             </a:pPr>
             <a:r>
-              <a:rPr lang="en-IN" sz="2000" spc="-1" dirty="0">
-                <a:solidFill>
-                  <a:srgbClr val="000000"/>
-                </a:solidFill>
-                <a:uFill>
-                  <a:solidFill>
-                    <a:srgbClr val="FFFFFF"/>
-                  </a:solidFill>
-                </a:uFill>
-                <a:latin typeface="Calibri"/>
-              </a:rPr>
-              <a:t>TOTAL </a:t>
-            </a:r>
-            <a:r>
               <a:rPr lang="en-IN" sz="2000" spc="-1" dirty="0" smtClean="0">
                 <a:solidFill>
                   <a:srgbClr val="000000"/>
@@ -13101,7 +13108,7 @@
                 </a:uFill>
                 <a:latin typeface="Calibri"/>
               </a:rPr>
-              <a:t>KNEE ANTRHOPLASTY</a:t>
+              <a:t>OSTEOARTHROSIS SECONDARY  LOWER LEG</a:t>
             </a:r>
           </a:p>
           <a:p>
@@ -13113,18 +13120,18 @@
               <a:buAutoNum type="romanLcPeriod"/>
             </a:pPr>
             <a:r>
-              <a:rPr lang="en-IN" sz="2000" spc="-1" dirty="0" smtClean="0">
-                <a:solidFill>
-                  <a:srgbClr val="000000"/>
-                </a:solidFill>
-                <a:uFill>
-                  <a:solidFill>
-                    <a:srgbClr val="FFFFFF"/>
-                  </a:solidFill>
-                </a:uFill>
-                <a:latin typeface="Calibri"/>
-              </a:rPr>
-              <a:t>OSTEOARTHROSIS SECONDARY  LOWER LEG</a:t>
+              <a:rPr lang="en-US" sz="2000" spc="-1" dirty="0" smtClean="0">
+                <a:solidFill>
+                  <a:srgbClr val="000000"/>
+                </a:solidFill>
+                <a:uFill>
+                  <a:solidFill>
+                    <a:srgbClr val="FFFFFF"/>
+                  </a:solidFill>
+                </a:uFill>
+                <a:latin typeface="Calibri"/>
+              </a:rPr>
+              <a:t>REMOVAL OF FOREIGN BODY FROM EYE</a:t>
             </a:r>
           </a:p>
           <a:p>
@@ -13147,7 +13154,7 @@
                 </a:uFill>
                 <a:latin typeface="Calibri"/>
               </a:rPr>
-              <a:t>REMOVAL OF FOREIGN BODY FROM EYE</a:t>
+              <a:t>TOTAL KNEE REPLACEMENT</a:t>
             </a:r>
           </a:p>
           <a:p>
@@ -13170,7 +13177,7 @@
                 </a:uFill>
                 <a:latin typeface="Calibri"/>
               </a:rPr>
-              <a:t>TOTAL KNEE REPLACEMENT</a:t>
+              <a:t>OSTEOARTHROSIS PRIMARY LOWER LEG</a:t>
             </a:r>
           </a:p>
           <a:p>
@@ -13193,7 +13200,7 @@
                 </a:uFill>
                 <a:latin typeface="Calibri"/>
               </a:rPr>
-              <a:t>OSTEOARTHROSIS PRIMARY LOWER LEG</a:t>
+              <a:t>OSTEOARTHROSIS GENERALIZED LOWER LEG</a:t>
             </a:r>
           </a:p>
           <a:p>
@@ -13205,19 +13212,30 @@
               <a:buAutoNum type="romanLcPeriod"/>
             </a:pPr>
             <a:r>
-              <a:rPr lang="en-US" sz="2000" spc="-1" dirty="0" smtClean="0">
-                <a:solidFill>
-                  <a:srgbClr val="000000"/>
-                </a:solidFill>
-                <a:uFill>
-                  <a:solidFill>
-                    <a:srgbClr val="FFFFFF"/>
-                  </a:solidFill>
-                </a:uFill>
-                <a:latin typeface="Calibri"/>
-              </a:rPr>
-              <a:t>OSTEOARTHROSIS GENERALIZED LOWER LEG</a:t>
-            </a:r>
+              <a:rPr lang="en-US" sz="2000" spc="-1" dirty="0">
+                <a:solidFill>
+                  <a:srgbClr val="000000"/>
+                </a:solidFill>
+                <a:uFill>
+                  <a:solidFill>
+                    <a:srgbClr val="FFFFFF"/>
+                  </a:solidFill>
+                </a:uFill>
+                <a:latin typeface="Calibri"/>
+              </a:rPr>
+              <a:t> TOTAL HIP ANTHROPLASTY</a:t>
+            </a:r>
+            <a:endParaRPr lang="en-US" sz="2000" spc="-1" dirty="0" smtClean="0">
+              <a:solidFill>
+                <a:srgbClr val="000000"/>
+              </a:solidFill>
+              <a:uFill>
+                <a:solidFill>
+                  <a:srgbClr val="FFFFFF"/>
+                </a:solidFill>
+              </a:uFill>
+              <a:latin typeface="Calibri"/>
+            </a:endParaRPr>
           </a:p>
           <a:p>
             <a:pPr marL="400050" indent="-400050">
@@ -13239,7 +13257,7 @@
                 </a:uFill>
                 <a:latin typeface="Calibri"/>
               </a:rPr>
-              <a:t> TOTAL HIP ANTHROPLASTY</a:t>
+              <a:t> IRIDECTOMY</a:t>
             </a:r>
             <a:endParaRPr lang="en-US" sz="2000" spc="-1" dirty="0" smtClean="0">
               <a:solidFill>
@@ -13273,19 +13291,22 @@
                 </a:uFill>
                 <a:latin typeface="Calibri"/>
               </a:rPr>
-              <a:t> IRIDECTOMY</a:t>
-            </a:r>
-            <a:endParaRPr lang="en-US" sz="2000" spc="-1" dirty="0" smtClean="0">
-              <a:solidFill>
-                <a:srgbClr val="000000"/>
-              </a:solidFill>
-              <a:uFill>
-                <a:solidFill>
-                  <a:srgbClr val="FFFFFF"/>
-                </a:solidFill>
-              </a:uFill>
-              <a:latin typeface="Calibri"/>
-            </a:endParaRPr>
+              <a:t> TOTAL HIP </a:t>
+            </a:r>
+            <a:r>
+              <a:rPr lang="en-US" sz="2000" spc="-1" dirty="0" smtClean="0">
+                <a:solidFill>
+                  <a:srgbClr val="000000"/>
+                </a:solidFill>
+                <a:uFill>
+                  <a:solidFill>
+                    <a:srgbClr val="FFFFFF"/>
+                  </a:solidFill>
+                </a:uFill>
+                <a:latin typeface="Calibri"/>
+              </a:rPr>
+              <a:t>REPLACEMENT</a:t>
+            </a:r>
           </a:p>
           <a:p>
             <a:pPr marL="400050" indent="-400050">
@@ -13307,7 +13328,21 @@
                 </a:uFill>
                 <a:latin typeface="Calibri"/>
               </a:rPr>
-              <a:t> TOTAL HIP REPLACEMENT</a:t>
+              <a:t> </a:t>
+            </a:r>
+            <a:r>
+              <a:rPr lang="en-US" sz="2000" spc="-1" dirty="0" smtClean="0">
+                <a:solidFill>
+                  <a:srgbClr val="000000"/>
+                </a:solidFill>
+                <a:uFill>
+                  <a:solidFill>
+                    <a:srgbClr val="FFFFFF"/>
+                  </a:solidFill>
+                </a:uFill>
+                <a:latin typeface="Calibri"/>
+              </a:rPr>
+              <a:t>CLASS DRUG</a:t>
             </a:r>
             <a:endParaRPr lang="en-IN" sz="2000" spc="-1" dirty="0" smtClean="0">
               <a:solidFill>
